--- a/スパロボもどき.pptx
+++ b/スパロボもどき.pptx
@@ -853,7 +853,7 @@
           <a:p>
             <a:fld id="{5D69F6A6-0348-4CD5-9E72-65FF03A322EF}" type="datetimeFigureOut">
               <a:rPr kumimoji="1" lang="ja-JP" altLang="en-US" smtClean="0"/>
-              <a:t>2023/11/9</a:t>
+              <a:t>2023/11/13</a:t>
             </a:fld>
             <a:endParaRPr kumimoji="1" lang="ja-JP" altLang="en-US"/>
           </a:p>
@@ -1104,7 +1104,7 @@
           <a:p>
             <a:fld id="{5D69F6A6-0348-4CD5-9E72-65FF03A322EF}" type="datetimeFigureOut">
               <a:rPr kumimoji="1" lang="ja-JP" altLang="en-US" smtClean="0"/>
-              <a:t>2023/11/9</a:t>
+              <a:t>2023/11/13</a:t>
             </a:fld>
             <a:endParaRPr kumimoji="1" lang="ja-JP" altLang="en-US"/>
           </a:p>
@@ -1418,7 +1418,7 @@
           <a:p>
             <a:fld id="{5D69F6A6-0348-4CD5-9E72-65FF03A322EF}" type="datetimeFigureOut">
               <a:rPr kumimoji="1" lang="ja-JP" altLang="en-US" smtClean="0"/>
-              <a:t>2023/11/9</a:t>
+              <a:t>2023/11/13</a:t>
             </a:fld>
             <a:endParaRPr kumimoji="1" lang="ja-JP" altLang="en-US"/>
           </a:p>
@@ -1745,7 +1745,7 @@
           <a:p>
             <a:fld id="{5D69F6A6-0348-4CD5-9E72-65FF03A322EF}" type="datetimeFigureOut">
               <a:rPr kumimoji="1" lang="ja-JP" altLang="en-US" smtClean="0"/>
-              <a:t>2023/11/9</a:t>
+              <a:t>2023/11/13</a:t>
             </a:fld>
             <a:endParaRPr kumimoji="1" lang="ja-JP" altLang="en-US"/>
           </a:p>
@@ -2059,7 +2059,7 @@
           <a:p>
             <a:fld id="{5D69F6A6-0348-4CD5-9E72-65FF03A322EF}" type="datetimeFigureOut">
               <a:rPr kumimoji="1" lang="ja-JP" altLang="en-US" smtClean="0"/>
-              <a:t>2023/11/9</a:t>
+              <a:t>2023/11/13</a:t>
             </a:fld>
             <a:endParaRPr kumimoji="1" lang="ja-JP" altLang="en-US"/>
           </a:p>
@@ -2446,7 +2446,7 @@
           <a:p>
             <a:fld id="{5D69F6A6-0348-4CD5-9E72-65FF03A322EF}" type="datetimeFigureOut">
               <a:rPr kumimoji="1" lang="ja-JP" altLang="en-US" smtClean="0"/>
-              <a:t>2023/11/9</a:t>
+              <a:t>2023/11/13</a:t>
             </a:fld>
             <a:endParaRPr kumimoji="1" lang="ja-JP" altLang="en-US"/>
           </a:p>
@@ -2648,7 +2648,7 @@
           <a:p>
             <a:fld id="{5D69F6A6-0348-4CD5-9E72-65FF03A322EF}" type="datetimeFigureOut">
               <a:rPr kumimoji="1" lang="ja-JP" altLang="en-US" smtClean="0"/>
-              <a:t>2023/11/9</a:t>
+              <a:t>2023/11/13</a:t>
             </a:fld>
             <a:endParaRPr kumimoji="1" lang="ja-JP" altLang="en-US"/>
           </a:p>
@@ -2860,7 +2860,7 @@
           <a:p>
             <a:fld id="{5D69F6A6-0348-4CD5-9E72-65FF03A322EF}" type="datetimeFigureOut">
               <a:rPr kumimoji="1" lang="ja-JP" altLang="en-US" smtClean="0"/>
-              <a:t>2023/11/9</a:t>
+              <a:t>2023/11/13</a:t>
             </a:fld>
             <a:endParaRPr kumimoji="1" lang="ja-JP" altLang="en-US"/>
           </a:p>
@@ -3062,7 +3062,7 @@
           <a:p>
             <a:fld id="{5D69F6A6-0348-4CD5-9E72-65FF03A322EF}" type="datetimeFigureOut">
               <a:rPr kumimoji="1" lang="ja-JP" altLang="en-US" smtClean="0"/>
-              <a:t>2023/11/9</a:t>
+              <a:t>2023/11/13</a:t>
             </a:fld>
             <a:endParaRPr kumimoji="1" lang="ja-JP" altLang="en-US"/>
           </a:p>
@@ -3309,7 +3309,7 @@
           <a:p>
             <a:fld id="{5D69F6A6-0348-4CD5-9E72-65FF03A322EF}" type="datetimeFigureOut">
               <a:rPr kumimoji="1" lang="ja-JP" altLang="en-US" smtClean="0"/>
-              <a:t>2023/11/9</a:t>
+              <a:t>2023/11/13</a:t>
             </a:fld>
             <a:endParaRPr kumimoji="1" lang="ja-JP" altLang="en-US"/>
           </a:p>
@@ -3605,7 +3605,7 @@
           <a:p>
             <a:fld id="{5D69F6A6-0348-4CD5-9E72-65FF03A322EF}" type="datetimeFigureOut">
               <a:rPr kumimoji="1" lang="ja-JP" altLang="en-US" smtClean="0"/>
-              <a:t>2023/11/9</a:t>
+              <a:t>2023/11/13</a:t>
             </a:fld>
             <a:endParaRPr kumimoji="1" lang="ja-JP" altLang="en-US"/>
           </a:p>
@@ -4043,7 +4043,7 @@
           <a:p>
             <a:fld id="{5D69F6A6-0348-4CD5-9E72-65FF03A322EF}" type="datetimeFigureOut">
               <a:rPr kumimoji="1" lang="ja-JP" altLang="en-US" smtClean="0"/>
-              <a:t>2023/11/9</a:t>
+              <a:t>2023/11/13</a:t>
             </a:fld>
             <a:endParaRPr kumimoji="1" lang="ja-JP" altLang="en-US"/>
           </a:p>
@@ -4166,7 +4166,7 @@
           <a:p>
             <a:fld id="{5D69F6A6-0348-4CD5-9E72-65FF03A322EF}" type="datetimeFigureOut">
               <a:rPr kumimoji="1" lang="ja-JP" altLang="en-US" smtClean="0"/>
-              <a:t>2023/11/9</a:t>
+              <a:t>2023/11/13</a:t>
             </a:fld>
             <a:endParaRPr kumimoji="1" lang="ja-JP" altLang="en-US"/>
           </a:p>
@@ -4261,7 +4261,7 @@
           <a:p>
             <a:fld id="{5D69F6A6-0348-4CD5-9E72-65FF03A322EF}" type="datetimeFigureOut">
               <a:rPr kumimoji="1" lang="ja-JP" altLang="en-US" smtClean="0"/>
-              <a:t>2023/11/9</a:t>
+              <a:t>2023/11/13</a:t>
             </a:fld>
             <a:endParaRPr kumimoji="1" lang="ja-JP" altLang="en-US"/>
           </a:p>
@@ -4548,7 +4548,7 @@
           <a:p>
             <a:fld id="{5D69F6A6-0348-4CD5-9E72-65FF03A322EF}" type="datetimeFigureOut">
               <a:rPr kumimoji="1" lang="ja-JP" altLang="en-US" smtClean="0"/>
-              <a:t>2023/11/9</a:t>
+              <a:t>2023/11/13</a:t>
             </a:fld>
             <a:endParaRPr kumimoji="1" lang="ja-JP" altLang="en-US"/>
           </a:p>
@@ -4811,7 +4811,7 @@
           <a:p>
             <a:fld id="{5D69F6A6-0348-4CD5-9E72-65FF03A322EF}" type="datetimeFigureOut">
               <a:rPr kumimoji="1" lang="ja-JP" altLang="en-US" smtClean="0"/>
-              <a:t>2023/11/9</a:t>
+              <a:t>2023/11/13</a:t>
             </a:fld>
             <a:endParaRPr kumimoji="1" lang="ja-JP" altLang="en-US"/>
           </a:p>
@@ -5588,7 +5588,7 @@
           <a:p>
             <a:fld id="{5D69F6A6-0348-4CD5-9E72-65FF03A322EF}" type="datetimeFigureOut">
               <a:rPr kumimoji="1" lang="ja-JP" altLang="en-US" smtClean="0"/>
-              <a:t>2023/11/9</a:t>
+              <a:t>2023/11/13</a:t>
             </a:fld>
             <a:endParaRPr kumimoji="1" lang="ja-JP" altLang="en-US"/>
           </a:p>
@@ -6289,7 +6289,7 @@
         <p:spPr>
           <a:xfrm>
             <a:off x="75481" y="121259"/>
-            <a:ext cx="6531381" cy="4524315"/>
+            <a:ext cx="6731719" cy="5632311"/>
           </a:xfrm>
           <a:prstGeom prst="rect">
             <a:avLst/>
@@ -6369,196 +6369,28 @@
           <a:p>
             <a:r>
               <a:rPr kumimoji="1" lang="ja-JP" altLang="en-US" sz="2400" dirty="0"/>
-              <a:t>・一定のキャラに対して攻撃した時のセリフ</a:t>
+              <a:t>・敗北条件</a:t>
             </a:r>
             <a:endParaRPr kumimoji="1" lang="en-US" altLang="ja-JP" sz="2400" dirty="0"/>
           </a:p>
-        </p:txBody>
-      </p:sp>
-      <p:pic>
-        <p:nvPicPr>
-          <p:cNvPr id="1026" name="Picture 2" descr="スーパーロボット大戦UX (3DS)のレビュー・評価・感想 | ゲーム・エンタメ最新情報のファミ通.com">
-            <a:extLst>
-              <a:ext uri="{FF2B5EF4-FFF2-40B4-BE49-F238E27FC236}">
-                <a16:creationId xmlns:a16="http://schemas.microsoft.com/office/drawing/2014/main" id="{456CB4FA-35D6-441E-BA85-DCEE40FC4F92}"/>
-              </a:ext>
-            </a:extLst>
-          </p:cNvPr>
-          <p:cNvPicPr>
-            <a:picLocks noChangeAspect="1" noChangeArrowheads="1"/>
-          </p:cNvPicPr>
-          <p:nvPr/>
-        </p:nvPicPr>
-        <p:blipFill>
-          <a:blip r:embed="rId2">
-            <a:extLst>
-              <a:ext uri="{28A0092B-C50C-407E-A947-70E740481C1C}">
-                <a14:useLocalDpi xmlns:a14="http://schemas.microsoft.com/office/drawing/2010/main" val="0"/>
-              </a:ext>
-            </a:extLst>
-          </a:blip>
-          <a:srcRect/>
-          <a:stretch>
-            <a:fillRect/>
-          </a:stretch>
-        </p:blipFill>
-        <p:spPr bwMode="auto">
-          <a:xfrm>
-            <a:off x="9424013" y="3123249"/>
-            <a:ext cx="2767986" cy="2529939"/>
-          </a:xfrm>
-          <a:prstGeom prst="rect">
-            <a:avLst/>
-          </a:prstGeom>
-          <a:noFill/>
-          <a:extLst>
-            <a:ext uri="{909E8E84-426E-40DD-AFC4-6F175D3DCCD1}">
-              <a14:hiddenFill xmlns:a14="http://schemas.microsoft.com/office/drawing/2010/main">
-                <a:solidFill>
-                  <a:srgbClr val="FFFFFF"/>
-                </a:solidFill>
-              </a14:hiddenFill>
-            </a:ext>
-          </a:extLst>
-        </p:spPr>
-      </p:pic>
-      <p:pic>
-        <p:nvPicPr>
-          <p:cNvPr id="1028" name="Picture 4" descr="スーパーロボット大戦W【買取価格】｜ゲオの宅配買取">
-            <a:extLst>
-              <a:ext uri="{FF2B5EF4-FFF2-40B4-BE49-F238E27FC236}">
-                <a16:creationId xmlns:a16="http://schemas.microsoft.com/office/drawing/2014/main" id="{36D7B546-3872-40CB-A0FE-91483A2311BF}"/>
-              </a:ext>
-            </a:extLst>
-          </p:cNvPr>
-          <p:cNvPicPr>
-            <a:picLocks noChangeAspect="1" noChangeArrowheads="1"/>
-          </p:cNvPicPr>
-          <p:nvPr/>
-        </p:nvPicPr>
-        <p:blipFill>
-          <a:blip r:embed="rId3">
-            <a:extLst>
-              <a:ext uri="{28A0092B-C50C-407E-A947-70E740481C1C}">
-                <a14:useLocalDpi xmlns:a14="http://schemas.microsoft.com/office/drawing/2010/main" val="0"/>
-              </a:ext>
-            </a:extLst>
-          </a:blip>
-          <a:srcRect/>
-          <a:stretch>
-            <a:fillRect/>
-          </a:stretch>
-        </p:blipFill>
-        <p:spPr bwMode="auto">
-          <a:xfrm>
-            <a:off x="9424013" y="0"/>
-            <a:ext cx="2767987" cy="2474581"/>
-          </a:xfrm>
-          <a:prstGeom prst="rect">
-            <a:avLst/>
-          </a:prstGeom>
-          <a:noFill/>
-          <a:extLst>
-            <a:ext uri="{909E8E84-426E-40DD-AFC4-6F175D3DCCD1}">
-              <a14:hiddenFill xmlns:a14="http://schemas.microsoft.com/office/drawing/2010/main">
-                <a:solidFill>
-                  <a:srgbClr val="FFFFFF"/>
-                </a:solidFill>
-              </a14:hiddenFill>
-            </a:ext>
-          </a:extLst>
-        </p:spPr>
-      </p:pic>
-      <p:sp>
-        <p:nvSpPr>
-          <p:cNvPr id="21" name="テキスト ボックス 20">
-            <a:extLst>
-              <a:ext uri="{FF2B5EF4-FFF2-40B4-BE49-F238E27FC236}">
-                <a16:creationId xmlns:a16="http://schemas.microsoft.com/office/drawing/2014/main" id="{91ADC4E4-1096-442F-BAC8-1E80A036E2C6}"/>
-              </a:ext>
-            </a:extLst>
-          </p:cNvPr>
-          <p:cNvSpPr txBox="1"/>
-          <p:nvPr/>
-        </p:nvSpPr>
-        <p:spPr>
-          <a:xfrm>
-            <a:off x="10219520" y="2614249"/>
-            <a:ext cx="1896999" cy="369332"/>
-          </a:xfrm>
-          <a:prstGeom prst="rect">
-            <a:avLst/>
-          </a:prstGeom>
-          <a:noFill/>
-        </p:spPr>
-        <p:txBody>
-          <a:bodyPr wrap="square" rtlCol="0">
-            <a:spAutoFit/>
-          </a:bodyPr>
-          <a:lstStyle/>
-          <a:p>
-            <a:r>
-              <a:rPr kumimoji="1" lang="en-US" altLang="ja-JP" dirty="0"/>
-              <a:t>W</a:t>
-            </a:r>
-            <a:r>
-              <a:rPr kumimoji="1" lang="ja-JP" altLang="en-US" dirty="0"/>
-              <a:t>　</a:t>
-            </a:r>
-            <a:r>
-              <a:rPr kumimoji="1" lang="en-US" altLang="ja-JP" dirty="0"/>
-              <a:t>2007</a:t>
-            </a:r>
-            <a:r>
-              <a:rPr kumimoji="1" lang="ja-JP" altLang="en-US" dirty="0"/>
-              <a:t>年発売</a:t>
-            </a:r>
-          </a:p>
-        </p:txBody>
-      </p:sp>
-      <p:sp>
-        <p:nvSpPr>
-          <p:cNvPr id="22" name="テキスト ボックス 21">
-            <a:extLst>
-              <a:ext uri="{FF2B5EF4-FFF2-40B4-BE49-F238E27FC236}">
-                <a16:creationId xmlns:a16="http://schemas.microsoft.com/office/drawing/2014/main" id="{1894B039-5111-434E-B9A0-9A628092B564}"/>
-              </a:ext>
-            </a:extLst>
-          </p:cNvPr>
-          <p:cNvSpPr txBox="1"/>
-          <p:nvPr/>
-        </p:nvSpPr>
-        <p:spPr>
-          <a:xfrm>
-            <a:off x="9966456" y="5825736"/>
-            <a:ext cx="1905000" cy="369332"/>
-          </a:xfrm>
-          <a:prstGeom prst="rect">
-            <a:avLst/>
-          </a:prstGeom>
-          <a:noFill/>
-        </p:spPr>
-        <p:txBody>
-          <a:bodyPr wrap="square" rtlCol="0">
-            <a:spAutoFit/>
-          </a:bodyPr>
-          <a:lstStyle/>
-          <a:p>
-            <a:r>
-              <a:rPr kumimoji="1" lang="en-US" altLang="ja-JP" dirty="0"/>
-              <a:t>UX</a:t>
-            </a:r>
-            <a:r>
-              <a:rPr kumimoji="1" lang="ja-JP" altLang="en-US" dirty="0"/>
-              <a:t>　</a:t>
-            </a:r>
-            <a:r>
-              <a:rPr kumimoji="1" lang="en-US" altLang="ja-JP" dirty="0"/>
-              <a:t>2013</a:t>
-            </a:r>
-            <a:r>
-              <a:rPr kumimoji="1" lang="ja-JP" altLang="en-US" dirty="0"/>
-              <a:t>年発売</a:t>
+          <a:p>
+            <a:r>
+              <a:rPr kumimoji="1" lang="en-US" altLang="ja-JP" sz="2400" dirty="0"/>
+              <a:t>   (</a:t>
+            </a:r>
+            <a:r>
+              <a:rPr kumimoji="1" lang="ja-JP" altLang="en-US" sz="2400" dirty="0"/>
+              <a:t>特定の人物が倒れた場合やターン数）</a:t>
+            </a:r>
+            <a:endParaRPr kumimoji="1" lang="en-US" altLang="ja-JP" sz="2400" dirty="0"/>
+          </a:p>
+          <a:p>
+            <a:endParaRPr kumimoji="1" lang="en-US" altLang="ja-JP" sz="2400" dirty="0"/>
+          </a:p>
+          <a:p>
+            <a:r>
+              <a:rPr kumimoji="1" lang="en-US" altLang="ja-JP" sz="2400" dirty="0"/>
+              <a:t>.</a:t>
             </a:r>
           </a:p>
         </p:txBody>

--- a/スパロボもどき.pptx
+++ b/スパロボもどき.pptx
@@ -853,7 +853,7 @@
           <a:p>
             <a:fld id="{5D69F6A6-0348-4CD5-9E72-65FF03A322EF}" type="datetimeFigureOut">
               <a:rPr kumimoji="1" lang="ja-JP" altLang="en-US" smtClean="0"/>
-              <a:t>2023/11/13</a:t>
+              <a:t>2023/11/14</a:t>
             </a:fld>
             <a:endParaRPr kumimoji="1" lang="ja-JP" altLang="en-US"/>
           </a:p>
@@ -1104,7 +1104,7 @@
           <a:p>
             <a:fld id="{5D69F6A6-0348-4CD5-9E72-65FF03A322EF}" type="datetimeFigureOut">
               <a:rPr kumimoji="1" lang="ja-JP" altLang="en-US" smtClean="0"/>
-              <a:t>2023/11/13</a:t>
+              <a:t>2023/11/14</a:t>
             </a:fld>
             <a:endParaRPr kumimoji="1" lang="ja-JP" altLang="en-US"/>
           </a:p>
@@ -1418,7 +1418,7 @@
           <a:p>
             <a:fld id="{5D69F6A6-0348-4CD5-9E72-65FF03A322EF}" type="datetimeFigureOut">
               <a:rPr kumimoji="1" lang="ja-JP" altLang="en-US" smtClean="0"/>
-              <a:t>2023/11/13</a:t>
+              <a:t>2023/11/14</a:t>
             </a:fld>
             <a:endParaRPr kumimoji="1" lang="ja-JP" altLang="en-US"/>
           </a:p>
@@ -1745,7 +1745,7 @@
           <a:p>
             <a:fld id="{5D69F6A6-0348-4CD5-9E72-65FF03A322EF}" type="datetimeFigureOut">
               <a:rPr kumimoji="1" lang="ja-JP" altLang="en-US" smtClean="0"/>
-              <a:t>2023/11/13</a:t>
+              <a:t>2023/11/14</a:t>
             </a:fld>
             <a:endParaRPr kumimoji="1" lang="ja-JP" altLang="en-US"/>
           </a:p>
@@ -2059,7 +2059,7 @@
           <a:p>
             <a:fld id="{5D69F6A6-0348-4CD5-9E72-65FF03A322EF}" type="datetimeFigureOut">
               <a:rPr kumimoji="1" lang="ja-JP" altLang="en-US" smtClean="0"/>
-              <a:t>2023/11/13</a:t>
+              <a:t>2023/11/14</a:t>
             </a:fld>
             <a:endParaRPr kumimoji="1" lang="ja-JP" altLang="en-US"/>
           </a:p>
@@ -2446,7 +2446,7 @@
           <a:p>
             <a:fld id="{5D69F6A6-0348-4CD5-9E72-65FF03A322EF}" type="datetimeFigureOut">
               <a:rPr kumimoji="1" lang="ja-JP" altLang="en-US" smtClean="0"/>
-              <a:t>2023/11/13</a:t>
+              <a:t>2023/11/14</a:t>
             </a:fld>
             <a:endParaRPr kumimoji="1" lang="ja-JP" altLang="en-US"/>
           </a:p>
@@ -2648,7 +2648,7 @@
           <a:p>
             <a:fld id="{5D69F6A6-0348-4CD5-9E72-65FF03A322EF}" type="datetimeFigureOut">
               <a:rPr kumimoji="1" lang="ja-JP" altLang="en-US" smtClean="0"/>
-              <a:t>2023/11/13</a:t>
+              <a:t>2023/11/14</a:t>
             </a:fld>
             <a:endParaRPr kumimoji="1" lang="ja-JP" altLang="en-US"/>
           </a:p>
@@ -2860,7 +2860,7 @@
           <a:p>
             <a:fld id="{5D69F6A6-0348-4CD5-9E72-65FF03A322EF}" type="datetimeFigureOut">
               <a:rPr kumimoji="1" lang="ja-JP" altLang="en-US" smtClean="0"/>
-              <a:t>2023/11/13</a:t>
+              <a:t>2023/11/14</a:t>
             </a:fld>
             <a:endParaRPr kumimoji="1" lang="ja-JP" altLang="en-US"/>
           </a:p>
@@ -3062,7 +3062,7 @@
           <a:p>
             <a:fld id="{5D69F6A6-0348-4CD5-9E72-65FF03A322EF}" type="datetimeFigureOut">
               <a:rPr kumimoji="1" lang="ja-JP" altLang="en-US" smtClean="0"/>
-              <a:t>2023/11/13</a:t>
+              <a:t>2023/11/14</a:t>
             </a:fld>
             <a:endParaRPr kumimoji="1" lang="ja-JP" altLang="en-US"/>
           </a:p>
@@ -3309,7 +3309,7 @@
           <a:p>
             <a:fld id="{5D69F6A6-0348-4CD5-9E72-65FF03A322EF}" type="datetimeFigureOut">
               <a:rPr kumimoji="1" lang="ja-JP" altLang="en-US" smtClean="0"/>
-              <a:t>2023/11/13</a:t>
+              <a:t>2023/11/14</a:t>
             </a:fld>
             <a:endParaRPr kumimoji="1" lang="ja-JP" altLang="en-US"/>
           </a:p>
@@ -3605,7 +3605,7 @@
           <a:p>
             <a:fld id="{5D69F6A6-0348-4CD5-9E72-65FF03A322EF}" type="datetimeFigureOut">
               <a:rPr kumimoji="1" lang="ja-JP" altLang="en-US" smtClean="0"/>
-              <a:t>2023/11/13</a:t>
+              <a:t>2023/11/14</a:t>
             </a:fld>
             <a:endParaRPr kumimoji="1" lang="ja-JP" altLang="en-US"/>
           </a:p>
@@ -4043,7 +4043,7 @@
           <a:p>
             <a:fld id="{5D69F6A6-0348-4CD5-9E72-65FF03A322EF}" type="datetimeFigureOut">
               <a:rPr kumimoji="1" lang="ja-JP" altLang="en-US" smtClean="0"/>
-              <a:t>2023/11/13</a:t>
+              <a:t>2023/11/14</a:t>
             </a:fld>
             <a:endParaRPr kumimoji="1" lang="ja-JP" altLang="en-US"/>
           </a:p>
@@ -4166,7 +4166,7 @@
           <a:p>
             <a:fld id="{5D69F6A6-0348-4CD5-9E72-65FF03A322EF}" type="datetimeFigureOut">
               <a:rPr kumimoji="1" lang="ja-JP" altLang="en-US" smtClean="0"/>
-              <a:t>2023/11/13</a:t>
+              <a:t>2023/11/14</a:t>
             </a:fld>
             <a:endParaRPr kumimoji="1" lang="ja-JP" altLang="en-US"/>
           </a:p>
@@ -4261,7 +4261,7 @@
           <a:p>
             <a:fld id="{5D69F6A6-0348-4CD5-9E72-65FF03A322EF}" type="datetimeFigureOut">
               <a:rPr kumimoji="1" lang="ja-JP" altLang="en-US" smtClean="0"/>
-              <a:t>2023/11/13</a:t>
+              <a:t>2023/11/14</a:t>
             </a:fld>
             <a:endParaRPr kumimoji="1" lang="ja-JP" altLang="en-US"/>
           </a:p>
@@ -4548,7 +4548,7 @@
           <a:p>
             <a:fld id="{5D69F6A6-0348-4CD5-9E72-65FF03A322EF}" type="datetimeFigureOut">
               <a:rPr kumimoji="1" lang="ja-JP" altLang="en-US" smtClean="0"/>
-              <a:t>2023/11/13</a:t>
+              <a:t>2023/11/14</a:t>
             </a:fld>
             <a:endParaRPr kumimoji="1" lang="ja-JP" altLang="en-US"/>
           </a:p>
@@ -4811,7 +4811,7 @@
           <a:p>
             <a:fld id="{5D69F6A6-0348-4CD5-9E72-65FF03A322EF}" type="datetimeFigureOut">
               <a:rPr kumimoji="1" lang="ja-JP" altLang="en-US" smtClean="0"/>
-              <a:t>2023/11/13</a:t>
+              <a:t>2023/11/14</a:t>
             </a:fld>
             <a:endParaRPr kumimoji="1" lang="ja-JP" altLang="en-US"/>
           </a:p>
@@ -5588,7 +5588,7 @@
           <a:p>
             <a:fld id="{5D69F6A6-0348-4CD5-9E72-65FF03A322EF}" type="datetimeFigureOut">
               <a:rPr kumimoji="1" lang="ja-JP" altLang="en-US" smtClean="0"/>
-              <a:t>2023/11/13</a:t>
+              <a:t>2023/11/14</a:t>
             </a:fld>
             <a:endParaRPr kumimoji="1" lang="ja-JP" altLang="en-US"/>
           </a:p>
@@ -6455,17 +6455,67 @@
           <a:p>
             <a:r>
               <a:rPr kumimoji="1" lang="ja-JP" altLang="en-US" dirty="0"/>
-              <a:t>ホーム画面・戦闘画面について</a:t>
-            </a:r>
+              <a:t>ホーム画面・武器改造について</a:t>
+            </a:r>
+          </a:p>
+        </p:txBody>
+      </p:sp>
+      <p:sp>
+        <p:nvSpPr>
+          <p:cNvPr id="19" name="テキスト ボックス 18">
+            <a:extLst>
+              <a:ext uri="{FF2B5EF4-FFF2-40B4-BE49-F238E27FC236}">
+                <a16:creationId xmlns:a16="http://schemas.microsoft.com/office/drawing/2014/main" id="{F205D682-E92B-4E22-B785-F99F284ADB8D}"/>
+              </a:ext>
+            </a:extLst>
+          </p:cNvPr>
+          <p:cNvSpPr txBox="1"/>
+          <p:nvPr/>
+        </p:nvSpPr>
+        <p:spPr>
+          <a:xfrm>
+            <a:off x="5718158" y="636406"/>
+            <a:ext cx="3696775" cy="1200329"/>
+          </a:xfrm>
+          <a:prstGeom prst="rect">
+            <a:avLst/>
+          </a:prstGeom>
+          <a:noFill/>
+        </p:spPr>
+        <p:txBody>
+          <a:bodyPr wrap="square" rtlCol="0">
+            <a:spAutoFit/>
+          </a:bodyPr>
+          <a:lstStyle/>
+          <a:p>
+            <a:r>
+              <a:rPr kumimoji="1" lang="ja-JP" altLang="en-US" dirty="0"/>
+              <a:t>←このような感じのホーム画面</a:t>
+            </a:r>
+            <a:endParaRPr kumimoji="1" lang="en-US" altLang="ja-JP" dirty="0"/>
+          </a:p>
+          <a:p>
+            <a:r>
+              <a:rPr kumimoji="1" lang="ja-JP" altLang="en-US" dirty="0"/>
+              <a:t>本家にはいろいろとありますが</a:t>
+            </a:r>
+            <a:endParaRPr kumimoji="1" lang="en-US" altLang="ja-JP" dirty="0"/>
+          </a:p>
+          <a:p>
+            <a:r>
+              <a:rPr kumimoji="1" lang="ja-JP" altLang="en-US" dirty="0"/>
+              <a:t>重要なところだけを選べるようにします。</a:t>
+            </a:r>
+            <a:endParaRPr kumimoji="1" lang="en-US" altLang="ja-JP" dirty="0"/>
           </a:p>
         </p:txBody>
       </p:sp>
       <p:grpSp>
         <p:nvGrpSpPr>
-          <p:cNvPr id="6" name="グループ化 5">
+          <p:cNvPr id="3" name="グループ化 2">
             <a:extLst>
               <a:ext uri="{FF2B5EF4-FFF2-40B4-BE49-F238E27FC236}">
-                <a16:creationId xmlns:a16="http://schemas.microsoft.com/office/drawing/2014/main" id="{06CD8198-4BEC-4185-9868-3A6B4ABB89A1}"/>
+                <a16:creationId xmlns:a16="http://schemas.microsoft.com/office/drawing/2014/main" id="{84BF42D1-D6CB-452F-A1AB-6C21343D446B}"/>
               </a:ext>
             </a:extLst>
           </p:cNvPr>
@@ -6476,16 +6526,16 @@
           <a:xfrm>
             <a:off x="147091" y="555599"/>
             <a:ext cx="5384802" cy="3208867"/>
-            <a:chOff x="86316" y="3276599"/>
+            <a:chOff x="147091" y="555599"/>
             <a:chExt cx="5384802" cy="3208867"/>
           </a:xfrm>
         </p:grpSpPr>
         <p:grpSp>
           <p:nvGrpSpPr>
-            <p:cNvPr id="7" name="グループ化 6">
+            <p:cNvPr id="6" name="グループ化 5">
               <a:extLst>
                 <a:ext uri="{FF2B5EF4-FFF2-40B4-BE49-F238E27FC236}">
-                  <a16:creationId xmlns:a16="http://schemas.microsoft.com/office/drawing/2014/main" id="{291AC73A-17B1-469D-A3D8-7C33D169EE1D}"/>
+                  <a16:creationId xmlns:a16="http://schemas.microsoft.com/office/drawing/2014/main" id="{06CD8198-4BEC-4185-9868-3A6B4ABB89A1}"/>
                 </a:ext>
               </a:extLst>
             </p:cNvPr>
@@ -6494,18 +6544,18 @@
           </p:nvGrpSpPr>
           <p:grpSpPr>
             <a:xfrm>
-              <a:off x="86316" y="3276599"/>
+              <a:off x="147091" y="555599"/>
               <a:ext cx="5384802" cy="3208867"/>
-              <a:chOff x="55319" y="3649133"/>
+              <a:chOff x="86316" y="3276599"/>
               <a:chExt cx="5384802" cy="3208867"/>
             </a:xfrm>
           </p:grpSpPr>
           <p:grpSp>
             <p:nvGrpSpPr>
-              <p:cNvPr id="10" name="グループ化 9">
+              <p:cNvPr id="7" name="グループ化 6">
                 <a:extLst>
                   <a:ext uri="{FF2B5EF4-FFF2-40B4-BE49-F238E27FC236}">
-                    <a16:creationId xmlns:a16="http://schemas.microsoft.com/office/drawing/2014/main" id="{C1FA063E-799A-40E2-90A3-864DCAC5DAD9}"/>
+                    <a16:creationId xmlns:a16="http://schemas.microsoft.com/office/drawing/2014/main" id="{291AC73A-17B1-469D-A3D8-7C33D169EE1D}"/>
                   </a:ext>
                 </a:extLst>
               </p:cNvPr>
@@ -6514,18 +6564,506 @@
             </p:nvGrpSpPr>
             <p:grpSpPr>
               <a:xfrm>
-                <a:off x="55319" y="3649133"/>
+                <a:off x="86316" y="3276599"/>
                 <a:ext cx="5384802" cy="3208867"/>
-                <a:chOff x="152399" y="3606568"/>
+                <a:chOff x="55319" y="3649133"/>
                 <a:chExt cx="5384802" cy="3208867"/>
               </a:xfrm>
             </p:grpSpPr>
+            <p:grpSp>
+              <p:nvGrpSpPr>
+                <p:cNvPr id="10" name="グループ化 9">
+                  <a:extLst>
+                    <a:ext uri="{FF2B5EF4-FFF2-40B4-BE49-F238E27FC236}">
+                      <a16:creationId xmlns:a16="http://schemas.microsoft.com/office/drawing/2014/main" id="{C1FA063E-799A-40E2-90A3-864DCAC5DAD9}"/>
+                    </a:ext>
+                  </a:extLst>
+                </p:cNvPr>
+                <p:cNvGrpSpPr/>
+                <p:nvPr/>
+              </p:nvGrpSpPr>
+              <p:grpSpPr>
+                <a:xfrm>
+                  <a:off x="55319" y="3649133"/>
+                  <a:ext cx="5384802" cy="3208867"/>
+                  <a:chOff x="152399" y="3606568"/>
+                  <a:chExt cx="5384802" cy="3208867"/>
+                </a:xfrm>
+              </p:grpSpPr>
+              <p:sp>
+                <p:nvSpPr>
+                  <p:cNvPr id="14" name="正方形/長方形 13">
+                    <a:extLst>
+                      <a:ext uri="{FF2B5EF4-FFF2-40B4-BE49-F238E27FC236}">
+                        <a16:creationId xmlns:a16="http://schemas.microsoft.com/office/drawing/2014/main" id="{3EB2773D-01E1-42C7-8D62-FC35B408F3F6}"/>
+                      </a:ext>
+                    </a:extLst>
+                  </p:cNvPr>
+                  <p:cNvSpPr/>
+                  <p:nvPr/>
+                </p:nvSpPr>
+                <p:spPr>
+                  <a:xfrm>
+                    <a:off x="152399" y="3606568"/>
+                    <a:ext cx="5249333" cy="3208867"/>
+                  </a:xfrm>
+                  <a:prstGeom prst="rect">
+                    <a:avLst/>
+                  </a:prstGeom>
+                  <a:solidFill>
+                    <a:schemeClr val="tx2">
+                      <a:lumMod val="50000"/>
+                      <a:lumOff val="50000"/>
+                    </a:schemeClr>
+                  </a:solidFill>
+                </p:spPr>
+                <p:style>
+                  <a:lnRef idx="3">
+                    <a:schemeClr val="lt1"/>
+                  </a:lnRef>
+                  <a:fillRef idx="1">
+                    <a:schemeClr val="accent4"/>
+                  </a:fillRef>
+                  <a:effectRef idx="1">
+                    <a:schemeClr val="accent4"/>
+                  </a:effectRef>
+                  <a:fontRef idx="minor">
+                    <a:schemeClr val="lt1"/>
+                  </a:fontRef>
+                </p:style>
+                <p:txBody>
+                  <a:bodyPr rtlCol="0" anchor="ctr"/>
+                  <a:lstStyle/>
+                  <a:p>
+                    <a:pPr algn="ctr"/>
+                    <a:endParaRPr kumimoji="1" lang="ja-JP" altLang="en-US"/>
+                  </a:p>
+                </p:txBody>
+              </p:sp>
+              <p:sp>
+                <p:nvSpPr>
+                  <p:cNvPr id="15" name="テキスト ボックス 14">
+                    <a:extLst>
+                      <a:ext uri="{FF2B5EF4-FFF2-40B4-BE49-F238E27FC236}">
+                        <a16:creationId xmlns:a16="http://schemas.microsoft.com/office/drawing/2014/main" id="{F111BBE9-8023-48E1-B6C9-207EEB39A6E5}"/>
+                      </a:ext>
+                    </a:extLst>
+                  </p:cNvPr>
+                  <p:cNvSpPr txBox="1"/>
+                  <p:nvPr/>
+                </p:nvSpPr>
+                <p:spPr>
+                  <a:xfrm>
+                    <a:off x="3005667" y="6446103"/>
+                    <a:ext cx="2531534" cy="369332"/>
+                  </a:xfrm>
+                  <a:prstGeom prst="rect">
+                    <a:avLst/>
+                  </a:prstGeom>
+                  <a:noFill/>
+                </p:spPr>
+                <p:txBody>
+                  <a:bodyPr wrap="square" rtlCol="0">
+                    <a:spAutoFit/>
+                  </a:bodyPr>
+                  <a:lstStyle/>
+                  <a:p>
+                    <a:r>
+                      <a:rPr kumimoji="1" lang="ja-JP" altLang="en-US" dirty="0"/>
+                      <a:t>資金　？？？？？？？</a:t>
+                    </a:r>
+                  </a:p>
+                </p:txBody>
+              </p:sp>
+            </p:grpSp>
             <p:sp>
               <p:nvSpPr>
-                <p:cNvPr id="14" name="正方形/長方形 13">
+                <p:cNvPr id="11" name="テキスト ボックス 10">
                   <a:extLst>
                     <a:ext uri="{FF2B5EF4-FFF2-40B4-BE49-F238E27FC236}">
-                      <a16:creationId xmlns:a16="http://schemas.microsoft.com/office/drawing/2014/main" id="{3EB2773D-01E1-42C7-8D62-FC35B408F3F6}"/>
+                      <a16:creationId xmlns:a16="http://schemas.microsoft.com/office/drawing/2014/main" id="{3965D4E9-D9D4-4128-AE2E-99AB5AC911EF}"/>
+                    </a:ext>
+                  </a:extLst>
+                </p:cNvPr>
+                <p:cNvSpPr txBox="1"/>
+                <p:nvPr/>
+              </p:nvSpPr>
+              <p:spPr>
+                <a:xfrm>
+                  <a:off x="322020" y="4591715"/>
+                  <a:ext cx="1854200" cy="338554"/>
+                </a:xfrm>
+                <a:prstGeom prst="rect">
+                  <a:avLst/>
+                </a:prstGeom>
+                <a:solidFill>
+                  <a:schemeClr val="tx2">
+                    <a:lumMod val="25000"/>
+                    <a:lumOff val="75000"/>
+                  </a:schemeClr>
+                </a:solidFill>
+              </p:spPr>
+              <p:txBody>
+                <a:bodyPr wrap="square" rtlCol="0">
+                  <a:spAutoFit/>
+                </a:bodyPr>
+                <a:lstStyle/>
+                <a:p>
+                  <a:r>
+                    <a:rPr kumimoji="1" lang="ja-JP" altLang="en-US" sz="1600" dirty="0"/>
+                    <a:t>武器改造</a:t>
+                  </a:r>
+                  <a:endParaRPr kumimoji="1" lang="en-US" altLang="ja-JP" sz="1600" dirty="0"/>
+                </a:p>
+              </p:txBody>
+            </p:sp>
+            <p:sp>
+              <p:nvSpPr>
+                <p:cNvPr id="12" name="テキスト ボックス 11">
+                  <a:extLst>
+                    <a:ext uri="{FF2B5EF4-FFF2-40B4-BE49-F238E27FC236}">
+                      <a16:creationId xmlns:a16="http://schemas.microsoft.com/office/drawing/2014/main" id="{D1DA37D1-7206-4645-BD00-F7C857FDA1EC}"/>
+                    </a:ext>
+                  </a:extLst>
+                </p:cNvPr>
+                <p:cNvSpPr txBox="1"/>
+                <p:nvPr/>
+              </p:nvSpPr>
+              <p:spPr>
+                <a:xfrm>
+                  <a:off x="333498" y="5130324"/>
+                  <a:ext cx="1854200" cy="338554"/>
+                </a:xfrm>
+                <a:prstGeom prst="rect">
+                  <a:avLst/>
+                </a:prstGeom>
+                <a:solidFill>
+                  <a:schemeClr val="tx2">
+                    <a:lumMod val="25000"/>
+                    <a:lumOff val="75000"/>
+                  </a:schemeClr>
+                </a:solidFill>
+              </p:spPr>
+              <p:txBody>
+                <a:bodyPr wrap="square" rtlCol="0">
+                  <a:spAutoFit/>
+                </a:bodyPr>
+                <a:lstStyle/>
+                <a:p>
+                  <a:r>
+                    <a:rPr kumimoji="1" lang="ja-JP" altLang="en-US" sz="1600" dirty="0"/>
+                    <a:t>次のステージへ</a:t>
+                  </a:r>
+                  <a:endParaRPr kumimoji="1" lang="en-US" altLang="ja-JP" sz="1600" dirty="0"/>
+                </a:p>
+              </p:txBody>
+            </p:sp>
+            <p:sp>
+              <p:nvSpPr>
+                <p:cNvPr id="13" name="テキスト ボックス 12">
+                  <a:extLst>
+                    <a:ext uri="{FF2B5EF4-FFF2-40B4-BE49-F238E27FC236}">
+                      <a16:creationId xmlns:a16="http://schemas.microsoft.com/office/drawing/2014/main" id="{756E996E-77DC-493E-8E03-1BE58CB45543}"/>
+                    </a:ext>
+                  </a:extLst>
+                </p:cNvPr>
+                <p:cNvSpPr txBox="1"/>
+                <p:nvPr/>
+              </p:nvSpPr>
+              <p:spPr>
+                <a:xfrm>
+                  <a:off x="333498" y="4077574"/>
+                  <a:ext cx="1854200" cy="338554"/>
+                </a:xfrm>
+                <a:prstGeom prst="rect">
+                  <a:avLst/>
+                </a:prstGeom>
+                <a:solidFill>
+                  <a:schemeClr val="tx2">
+                    <a:lumMod val="25000"/>
+                    <a:lumOff val="75000"/>
+                  </a:schemeClr>
+                </a:solidFill>
+              </p:spPr>
+              <p:txBody>
+                <a:bodyPr wrap="square" rtlCol="0">
+                  <a:spAutoFit/>
+                </a:bodyPr>
+                <a:lstStyle/>
+                <a:p>
+                  <a:r>
+                    <a:rPr kumimoji="1" lang="ja-JP" altLang="en-US" sz="1600" dirty="0"/>
+                    <a:t>キャラ育成</a:t>
+                  </a:r>
+                </a:p>
+              </p:txBody>
+            </p:sp>
+          </p:grpSp>
+          <p:pic>
+            <p:nvPicPr>
+              <p:cNvPr id="8" name="図 7">
+                <a:extLst>
+                  <a:ext uri="{FF2B5EF4-FFF2-40B4-BE49-F238E27FC236}">
+                    <a16:creationId xmlns:a16="http://schemas.microsoft.com/office/drawing/2014/main" id="{CD62DD4B-4F76-484F-93BE-4B5163A649C0}"/>
+                  </a:ext>
+                </a:extLst>
+              </p:cNvPr>
+              <p:cNvPicPr>
+                <a:picLocks noChangeAspect="1"/>
+              </p:cNvPicPr>
+              <p:nvPr/>
+            </p:nvPicPr>
+            <p:blipFill rotWithShape="1">
+              <a:blip r:embed="rId2">
+                <a:extLst>
+                  <a:ext uri="{28A0092B-C50C-407E-A947-70E740481C1C}">
+                    <a14:useLocalDpi xmlns:a14="http://schemas.microsoft.com/office/drawing/2010/main" val="0"/>
+                  </a:ext>
+                </a:extLst>
+              </a:blip>
+              <a:srcRect r="-9397" b="53738"/>
+              <a:stretch/>
+            </p:blipFill>
+            <p:spPr>
+              <a:xfrm>
+                <a:off x="2939584" y="3307138"/>
+                <a:ext cx="2345537" cy="1880928"/>
+              </a:xfrm>
+              <a:prstGeom prst="rect">
+                <a:avLst/>
+              </a:prstGeom>
+            </p:spPr>
+          </p:pic>
+          <p:sp>
+            <p:nvSpPr>
+              <p:cNvPr id="9" name="正方形/長方形 8">
+                <a:extLst>
+                  <a:ext uri="{FF2B5EF4-FFF2-40B4-BE49-F238E27FC236}">
+                    <a16:creationId xmlns:a16="http://schemas.microsoft.com/office/drawing/2014/main" id="{C024AB93-BE50-4A18-910C-5F35438A02E8}"/>
+                  </a:ext>
+                </a:extLst>
+              </p:cNvPr>
+              <p:cNvSpPr/>
+              <p:nvPr/>
+            </p:nvSpPr>
+            <p:spPr>
+              <a:xfrm>
+                <a:off x="2710982" y="5214550"/>
+                <a:ext cx="2416175" cy="790575"/>
+              </a:xfrm>
+              <a:prstGeom prst="rect">
+                <a:avLst/>
+              </a:prstGeom>
+              <a:solidFill>
+                <a:schemeClr val="tx2">
+                  <a:lumMod val="25000"/>
+                  <a:lumOff val="75000"/>
+                </a:schemeClr>
+              </a:solidFill>
+              <a:ln>
+                <a:noFill/>
+              </a:ln>
+            </p:spPr>
+            <p:style>
+              <a:lnRef idx="2">
+                <a:schemeClr val="accent1">
+                  <a:shade val="50000"/>
+                </a:schemeClr>
+              </a:lnRef>
+              <a:fillRef idx="1">
+                <a:schemeClr val="accent1"/>
+              </a:fillRef>
+              <a:effectRef idx="0">
+                <a:schemeClr val="accent1"/>
+              </a:effectRef>
+              <a:fontRef idx="minor">
+                <a:schemeClr val="lt1"/>
+              </a:fontRef>
+            </p:style>
+            <p:txBody>
+              <a:bodyPr rtlCol="0" anchor="ctr"/>
+              <a:lstStyle/>
+              <a:p>
+                <a:pPr algn="ctr"/>
+                <a:endParaRPr kumimoji="1" lang="ja-JP" altLang="en-US"/>
+              </a:p>
+            </p:txBody>
+          </p:sp>
+        </p:grpSp>
+        <p:sp>
+          <p:nvSpPr>
+            <p:cNvPr id="2" name="テキスト ボックス 1">
+              <a:extLst>
+                <a:ext uri="{FF2B5EF4-FFF2-40B4-BE49-F238E27FC236}">
+                  <a16:creationId xmlns:a16="http://schemas.microsoft.com/office/drawing/2014/main" id="{1E8F24A7-C167-4F0F-B90B-427C736C7EE0}"/>
+                </a:ext>
+              </a:extLst>
+            </p:cNvPr>
+            <p:cNvSpPr txBox="1"/>
+            <p:nvPr/>
+          </p:nvSpPr>
+          <p:spPr>
+            <a:xfrm>
+              <a:off x="2771757" y="2488889"/>
+              <a:ext cx="2416175" cy="615553"/>
+            </a:xfrm>
+            <a:prstGeom prst="rect">
+              <a:avLst/>
+            </a:prstGeom>
+            <a:noFill/>
+          </p:spPr>
+          <p:txBody>
+            <a:bodyPr wrap="square" rtlCol="0">
+              <a:spAutoFit/>
+            </a:bodyPr>
+            <a:lstStyle/>
+            <a:p>
+              <a:r>
+                <a:rPr kumimoji="1" lang="ja-JP" altLang="en-US" sz="1600" dirty="0"/>
+                <a:t>さ、次の仕事に</a:t>
+              </a:r>
+              <a:endParaRPr kumimoji="1" lang="en-US" altLang="ja-JP" sz="1600" dirty="0"/>
+            </a:p>
+            <a:p>
+              <a:r>
+                <a:rPr kumimoji="1" lang="ja-JP" altLang="en-US" sz="1600" dirty="0"/>
+                <a:t>行ってください。。</a:t>
+              </a:r>
+              <a:r>
+                <a:rPr kumimoji="1" lang="ja-JP" altLang="en-US" dirty="0"/>
+                <a:t>。</a:t>
+              </a:r>
+            </a:p>
+          </p:txBody>
+        </p:sp>
+      </p:grpSp>
+      <p:sp>
+        <p:nvSpPr>
+          <p:cNvPr id="23" name="テキスト ボックス 22">
+            <a:extLst>
+              <a:ext uri="{FF2B5EF4-FFF2-40B4-BE49-F238E27FC236}">
+                <a16:creationId xmlns:a16="http://schemas.microsoft.com/office/drawing/2014/main" id="{326EC24F-A069-499A-8A22-4AA08DBDA4B1}"/>
+              </a:ext>
+            </a:extLst>
+          </p:cNvPr>
+          <p:cNvSpPr txBox="1"/>
+          <p:nvPr/>
+        </p:nvSpPr>
+        <p:spPr>
+          <a:xfrm>
+            <a:off x="1151971" y="4497427"/>
+            <a:ext cx="3696775" cy="1200329"/>
+          </a:xfrm>
+          <a:prstGeom prst="rect">
+            <a:avLst/>
+          </a:prstGeom>
+          <a:noFill/>
+        </p:spPr>
+        <p:txBody>
+          <a:bodyPr wrap="square" rtlCol="0">
+            <a:spAutoFit/>
+          </a:bodyPr>
+          <a:lstStyle/>
+          <a:p>
+            <a:r>
+              <a:rPr kumimoji="1" lang="ja-JP" altLang="en-US" dirty="0"/>
+              <a:t>武器改造画面→</a:t>
+            </a:r>
+            <a:endParaRPr kumimoji="1" lang="en-US" altLang="ja-JP" dirty="0"/>
+          </a:p>
+          <a:p>
+            <a:r>
+              <a:rPr kumimoji="1" lang="ja-JP" altLang="en-US" dirty="0"/>
+              <a:t>武器を選択して、資金を使い</a:t>
+            </a:r>
+            <a:endParaRPr kumimoji="1" lang="en-US" altLang="ja-JP" dirty="0"/>
+          </a:p>
+          <a:p>
+            <a:r>
+              <a:rPr kumimoji="1" lang="ja-JP" altLang="en-US" dirty="0"/>
+              <a:t>攻撃力を上げる感じです。</a:t>
+            </a:r>
+            <a:endParaRPr kumimoji="1" lang="en-US" altLang="ja-JP" dirty="0"/>
+          </a:p>
+          <a:p>
+            <a:endParaRPr kumimoji="1" lang="en-US" altLang="ja-JP" dirty="0"/>
+          </a:p>
+        </p:txBody>
+      </p:sp>
+      <p:grpSp>
+        <p:nvGrpSpPr>
+          <p:cNvPr id="31" name="グループ化 30">
+            <a:extLst>
+              <a:ext uri="{FF2B5EF4-FFF2-40B4-BE49-F238E27FC236}">
+                <a16:creationId xmlns:a16="http://schemas.microsoft.com/office/drawing/2014/main" id="{6B4B13EB-3827-4068-8C72-EF217AC29C2F}"/>
+              </a:ext>
+            </a:extLst>
+          </p:cNvPr>
+          <p:cNvGrpSpPr/>
+          <p:nvPr/>
+        </p:nvGrpSpPr>
+        <p:grpSpPr>
+          <a:xfrm>
+            <a:off x="5396424" y="3764466"/>
+            <a:ext cx="5483243" cy="3017334"/>
+            <a:chOff x="5345896" y="3723563"/>
+            <a:chExt cx="5483243" cy="3017334"/>
+          </a:xfrm>
+          <a:solidFill>
+            <a:schemeClr val="tx2">
+              <a:lumMod val="50000"/>
+              <a:lumOff val="50000"/>
+            </a:schemeClr>
+          </a:solidFill>
+        </p:grpSpPr>
+        <p:grpSp>
+          <p:nvGrpSpPr>
+            <p:cNvPr id="27" name="グループ化 26">
+              <a:extLst>
+                <a:ext uri="{FF2B5EF4-FFF2-40B4-BE49-F238E27FC236}">
+                  <a16:creationId xmlns:a16="http://schemas.microsoft.com/office/drawing/2014/main" id="{A7D1BBA3-E193-4EB1-B357-74CE4D681C42}"/>
+                </a:ext>
+              </a:extLst>
+            </p:cNvPr>
+            <p:cNvGrpSpPr/>
+            <p:nvPr/>
+          </p:nvGrpSpPr>
+          <p:grpSpPr>
+            <a:xfrm>
+              <a:off x="5345896" y="3723563"/>
+              <a:ext cx="5483243" cy="3017334"/>
+              <a:chOff x="5345896" y="3723563"/>
+              <a:chExt cx="5483243" cy="3017334"/>
+            </a:xfrm>
+            <a:grpFill/>
+          </p:grpSpPr>
+          <p:grpSp>
+            <p:nvGrpSpPr>
+              <p:cNvPr id="22" name="グループ化 21">
+                <a:extLst>
+                  <a:ext uri="{FF2B5EF4-FFF2-40B4-BE49-F238E27FC236}">
+                    <a16:creationId xmlns:a16="http://schemas.microsoft.com/office/drawing/2014/main" id="{00ABDCA0-7DD3-46ED-8366-1F06C29E9BB3}"/>
+                  </a:ext>
+                </a:extLst>
+              </p:cNvPr>
+              <p:cNvGrpSpPr/>
+              <p:nvPr/>
+            </p:nvGrpSpPr>
+            <p:grpSpPr>
+              <a:xfrm>
+                <a:off x="5345896" y="3723563"/>
+                <a:ext cx="5483243" cy="3017334"/>
+                <a:chOff x="5396424" y="3764466"/>
+                <a:chExt cx="5483243" cy="3017334"/>
+              </a:xfrm>
+              <a:grpFill/>
+            </p:grpSpPr>
+            <p:sp>
+              <p:nvSpPr>
+                <p:cNvPr id="4" name="正方形/長方形 3">
+                  <a:extLst>
+                    <a:ext uri="{FF2B5EF4-FFF2-40B4-BE49-F238E27FC236}">
+                      <a16:creationId xmlns:a16="http://schemas.microsoft.com/office/drawing/2014/main" id="{55F0FCB7-7EB3-4D93-9586-DFC51D374284}"/>
                     </a:ext>
                   </a:extLst>
                 </p:cNvPr>
@@ -6534,102 +7072,13 @@
               </p:nvSpPr>
               <p:spPr>
                 <a:xfrm>
-                  <a:off x="152399" y="3606568"/>
-                  <a:ext cx="5249333" cy="3208867"/>
+                  <a:off x="5396424" y="3764466"/>
+                  <a:ext cx="5483243" cy="3017334"/>
                 </a:xfrm>
                 <a:prstGeom prst="rect">
                   <a:avLst/>
                 </a:prstGeom>
-                <a:solidFill>
-                  <a:schemeClr val="bg1">
-                    <a:lumMod val="75000"/>
-                  </a:schemeClr>
-                </a:solidFill>
-              </p:spPr>
-              <p:style>
-                <a:lnRef idx="3">
-                  <a:schemeClr val="lt1"/>
-                </a:lnRef>
-                <a:fillRef idx="1">
-                  <a:schemeClr val="accent4"/>
-                </a:fillRef>
-                <a:effectRef idx="1">
-                  <a:schemeClr val="accent4"/>
-                </a:effectRef>
-                <a:fontRef idx="minor">
-                  <a:schemeClr val="lt1"/>
-                </a:fontRef>
-              </p:style>
-              <p:txBody>
-                <a:bodyPr rtlCol="0" anchor="ctr"/>
-                <a:lstStyle/>
-                <a:p>
-                  <a:pPr algn="ctr"/>
-                  <a:endParaRPr kumimoji="1" lang="ja-JP" altLang="en-US"/>
-                </a:p>
-              </p:txBody>
-            </p:sp>
-            <p:sp>
-              <p:nvSpPr>
-                <p:cNvPr id="15" name="テキスト ボックス 14">
-                  <a:extLst>
-                    <a:ext uri="{FF2B5EF4-FFF2-40B4-BE49-F238E27FC236}">
-                      <a16:creationId xmlns:a16="http://schemas.microsoft.com/office/drawing/2014/main" id="{F111BBE9-8023-48E1-B6C9-207EEB39A6E5}"/>
-                    </a:ext>
-                  </a:extLst>
-                </p:cNvPr>
-                <p:cNvSpPr txBox="1"/>
-                <p:nvPr/>
-              </p:nvSpPr>
-              <p:spPr>
-                <a:xfrm>
-                  <a:off x="3005667" y="6446103"/>
-                  <a:ext cx="2531534" cy="369332"/>
-                </a:xfrm>
-                <a:prstGeom prst="rect">
-                  <a:avLst/>
-                </a:prstGeom>
-                <a:noFill/>
-              </p:spPr>
-              <p:txBody>
-                <a:bodyPr wrap="square" rtlCol="0">
-                  <a:spAutoFit/>
-                </a:bodyPr>
-                <a:lstStyle/>
-                <a:p>
-                  <a:r>
-                    <a:rPr kumimoji="1" lang="ja-JP" altLang="en-US" dirty="0"/>
-                    <a:t>資金　？？？？？？？</a:t>
-                  </a:r>
-                </a:p>
-              </p:txBody>
-            </p:sp>
-            <p:sp>
-              <p:nvSpPr>
-                <p:cNvPr id="16" name="正方形/長方形 15">
-                  <a:extLst>
-                    <a:ext uri="{FF2B5EF4-FFF2-40B4-BE49-F238E27FC236}">
-                      <a16:creationId xmlns:a16="http://schemas.microsoft.com/office/drawing/2014/main" id="{9369F29C-A299-42AF-9DFA-2CA9EB83C40F}"/>
-                    </a:ext>
-                  </a:extLst>
-                </p:cNvPr>
-                <p:cNvSpPr/>
-                <p:nvPr/>
-              </p:nvSpPr>
-              <p:spPr>
-                <a:xfrm>
-                  <a:off x="419100" y="4106045"/>
-                  <a:ext cx="1676400" cy="338554"/>
-                </a:xfrm>
-                <a:prstGeom prst="rect">
-                  <a:avLst/>
-                </a:prstGeom>
-                <a:solidFill>
-                  <a:schemeClr val="tx2">
-                    <a:lumMod val="75000"/>
-                    <a:lumOff val="25000"/>
-                  </a:schemeClr>
-                </a:solidFill>
+                <a:grpFill/>
                 <a:ln>
                   <a:noFill/>
                 </a:ln>
@@ -6655,16 +7104,16 @@
                 <a:lstStyle/>
                 <a:p>
                   <a:pPr algn="ctr"/>
-                  <a:endParaRPr kumimoji="1" lang="ja-JP" altLang="en-US" dirty="0"/>
+                  <a:endParaRPr kumimoji="1" lang="ja-JP" altLang="en-US"/>
                 </a:p>
               </p:txBody>
             </p:sp>
             <p:sp>
               <p:nvSpPr>
-                <p:cNvPr id="17" name="正方形/長方形 16">
+                <p:cNvPr id="20" name="正方形/長方形 19">
                   <a:extLst>
                     <a:ext uri="{FF2B5EF4-FFF2-40B4-BE49-F238E27FC236}">
-                      <a16:creationId xmlns:a16="http://schemas.microsoft.com/office/drawing/2014/main" id="{793BC0F9-3566-4FCA-B9BF-E32CCA644008}"/>
+                      <a16:creationId xmlns:a16="http://schemas.microsoft.com/office/drawing/2014/main" id="{75D7B588-C587-4DEB-9872-66207F4EA3C6}"/>
                     </a:ext>
                   </a:extLst>
                 </p:cNvPr>
@@ -6673,18 +7122,13 @@
               </p:nvSpPr>
               <p:spPr>
                 <a:xfrm>
-                  <a:off x="419100" y="4605522"/>
-                  <a:ext cx="1676400" cy="338554"/>
+                  <a:off x="8138045" y="3988766"/>
+                  <a:ext cx="2167467" cy="338667"/>
                 </a:xfrm>
                 <a:prstGeom prst="rect">
                   <a:avLst/>
                 </a:prstGeom>
-                <a:solidFill>
-                  <a:schemeClr val="tx2">
-                    <a:lumMod val="75000"/>
-                    <a:lumOff val="25000"/>
-                  </a:schemeClr>
-                </a:solidFill>
+                <a:grpFill/>
                 <a:ln>
                   <a:noFill/>
                 </a:ln>
@@ -6710,235 +7154,121 @@
                 <a:lstStyle/>
                 <a:p>
                   <a:pPr algn="ctr"/>
-                  <a:endParaRPr kumimoji="1" lang="ja-JP" altLang="en-US" dirty="0"/>
+                  <a:endParaRPr kumimoji="1" lang="ja-JP" altLang="en-US"/>
                 </a:p>
               </p:txBody>
             </p:sp>
             <p:sp>
               <p:nvSpPr>
-                <p:cNvPr id="18" name="正方形/長方形 17">
+                <p:cNvPr id="21" name="テキスト ボックス 20">
                   <a:extLst>
                     <a:ext uri="{FF2B5EF4-FFF2-40B4-BE49-F238E27FC236}">
-                      <a16:creationId xmlns:a16="http://schemas.microsoft.com/office/drawing/2014/main" id="{8C0F340A-2467-428C-80C0-BE80C7232014}"/>
+                      <a16:creationId xmlns:a16="http://schemas.microsoft.com/office/drawing/2014/main" id="{7713845C-467B-4168-87F8-354478340438}"/>
                     </a:ext>
                   </a:extLst>
                 </p:cNvPr>
-                <p:cNvSpPr/>
+                <p:cNvSpPr txBox="1"/>
                 <p:nvPr/>
               </p:nvSpPr>
               <p:spPr>
                 <a:xfrm>
-                  <a:off x="419100" y="5069441"/>
-                  <a:ext cx="1676400" cy="338554"/>
+                  <a:off x="8138043" y="3988766"/>
+                  <a:ext cx="2167468" cy="646331"/>
                 </a:xfrm>
                 <a:prstGeom prst="rect">
                   <a:avLst/>
                 </a:prstGeom>
                 <a:solidFill>
                   <a:schemeClr val="tx2">
-                    <a:lumMod val="75000"/>
-                    <a:lumOff val="25000"/>
+                    <a:lumMod val="25000"/>
+                    <a:lumOff val="75000"/>
                   </a:schemeClr>
                 </a:solidFill>
-                <a:ln>
-                  <a:noFill/>
-                </a:ln>
               </p:spPr>
-              <p:style>
-                <a:lnRef idx="2">
-                  <a:schemeClr val="accent1">
-                    <a:shade val="50000"/>
-                  </a:schemeClr>
-                </a:lnRef>
-                <a:fillRef idx="1">
-                  <a:schemeClr val="accent1"/>
-                </a:fillRef>
-                <a:effectRef idx="0">
-                  <a:schemeClr val="accent1"/>
-                </a:effectRef>
-                <a:fontRef idx="minor">
-                  <a:schemeClr val="lt1"/>
-                </a:fontRef>
-              </p:style>
               <p:txBody>
-                <a:bodyPr rtlCol="0" anchor="ctr"/>
+                <a:bodyPr wrap="square" rtlCol="0">
+                  <a:spAutoFit/>
+                </a:bodyPr>
                 <a:lstStyle/>
                 <a:p>
-                  <a:pPr algn="ctr"/>
+                  <a:r>
+                    <a:rPr lang="en-US" altLang="ja-JP" b="1" i="0" dirty="0">
+                      <a:effectLst/>
+                      <a:latin typeface="ヒラギノ角ゴ Pro W3"/>
+                    </a:rPr>
+                    <a:t>89</a:t>
+                  </a:r>
+                  <a:r>
+                    <a:rPr lang="ja-JP" altLang="en-US" b="1" i="0" dirty="0">
+                      <a:effectLst/>
+                      <a:latin typeface="ヒラギノ角ゴ Pro W3"/>
+                    </a:rPr>
+                    <a:t>式</a:t>
+                  </a:r>
+                  <a:r>
+                    <a:rPr lang="en-US" altLang="ja-JP" b="1" i="0" dirty="0">
+                      <a:effectLst/>
+                      <a:latin typeface="ヒラギノ角ゴ Pro W3"/>
+                    </a:rPr>
+                    <a:t>5.56mm</a:t>
+                  </a:r>
+                  <a:r>
+                    <a:rPr lang="ja-JP" altLang="en-US" b="1" i="0" dirty="0">
+                      <a:effectLst/>
+                      <a:latin typeface="ヒラギノ角ゴ Pro W3"/>
+                    </a:rPr>
+                    <a:t>小銃</a:t>
+                  </a:r>
+                </a:p>
+                <a:p>
                   <a:endParaRPr kumimoji="1" lang="ja-JP" altLang="en-US" dirty="0"/>
                 </a:p>
               </p:txBody>
             </p:sp>
           </p:grpSp>
-          <p:sp>
-            <p:nvSpPr>
-              <p:cNvPr id="11" name="テキスト ボックス 10">
+          <p:pic>
+            <p:nvPicPr>
+              <p:cNvPr id="25" name="図 24">
                 <a:extLst>
                   <a:ext uri="{FF2B5EF4-FFF2-40B4-BE49-F238E27FC236}">
-                    <a16:creationId xmlns:a16="http://schemas.microsoft.com/office/drawing/2014/main" id="{3965D4E9-D9D4-4128-AE2E-99AB5AC911EF}"/>
+                    <a16:creationId xmlns:a16="http://schemas.microsoft.com/office/drawing/2014/main" id="{CD6819E6-C487-4706-BEFB-C477A4DEAEC6}"/>
                   </a:ext>
                 </a:extLst>
               </p:cNvPr>
-              <p:cNvSpPr txBox="1"/>
+              <p:cNvPicPr>
+                <a:picLocks noChangeAspect="1"/>
+              </p:cNvPicPr>
               <p:nvPr/>
-            </p:nvSpPr>
+            </p:nvPicPr>
+            <p:blipFill rotWithShape="1">
+              <a:blip r:embed="rId3">
+                <a:extLst>
+                  <a:ext uri="{28A0092B-C50C-407E-A947-70E740481C1C}">
+                    <a14:useLocalDpi xmlns:a14="http://schemas.microsoft.com/office/drawing/2010/main" val="0"/>
+                  </a:ext>
+                </a:extLst>
+              </a:blip>
+              <a:srcRect t="-1" r="5225" b="49235"/>
+              <a:stretch/>
+            </p:blipFill>
             <p:spPr>
               <a:xfrm>
-                <a:off x="333498" y="4707136"/>
-                <a:ext cx="1854200" cy="338554"/>
+                <a:off x="5754693" y="3723563"/>
+                <a:ext cx="2272230" cy="2307937"/>
               </a:xfrm>
               <a:prstGeom prst="rect">
                 <a:avLst/>
               </a:prstGeom>
-              <a:noFill/>
+              <a:grpFill/>
             </p:spPr>
-            <p:txBody>
-              <a:bodyPr wrap="square" rtlCol="0">
-                <a:spAutoFit/>
-              </a:bodyPr>
-              <a:lstStyle/>
-              <a:p>
-                <a:r>
-                  <a:rPr kumimoji="1" lang="ja-JP" altLang="en-US" sz="1600" dirty="0">
-                    <a:solidFill>
-                      <a:schemeClr val="bg1"/>
-                    </a:solidFill>
-                  </a:rPr>
-                  <a:t>武器改造</a:t>
-                </a:r>
-                <a:endParaRPr kumimoji="1" lang="en-US" altLang="ja-JP" sz="1600" dirty="0">
-                  <a:solidFill>
-                    <a:schemeClr val="bg1"/>
-                  </a:solidFill>
-                </a:endParaRPr>
-              </a:p>
-            </p:txBody>
-          </p:sp>
-          <p:sp>
-            <p:nvSpPr>
-              <p:cNvPr id="12" name="テキスト ボックス 11">
-                <a:extLst>
-                  <a:ext uri="{FF2B5EF4-FFF2-40B4-BE49-F238E27FC236}">
-                    <a16:creationId xmlns:a16="http://schemas.microsoft.com/office/drawing/2014/main" id="{D1DA37D1-7206-4645-BD00-F7C857FDA1EC}"/>
-                  </a:ext>
-                </a:extLst>
-              </p:cNvPr>
-              <p:cNvSpPr txBox="1"/>
-              <p:nvPr/>
-            </p:nvSpPr>
-            <p:spPr>
-              <a:xfrm>
-                <a:off x="333498" y="5124278"/>
-                <a:ext cx="1854200" cy="338554"/>
-              </a:xfrm>
-              <a:prstGeom prst="rect">
-                <a:avLst/>
-              </a:prstGeom>
-              <a:noFill/>
-            </p:spPr>
-            <p:txBody>
-              <a:bodyPr wrap="square" rtlCol="0">
-                <a:spAutoFit/>
-              </a:bodyPr>
-              <a:lstStyle/>
-              <a:p>
-                <a:r>
-                  <a:rPr kumimoji="1" lang="ja-JP" altLang="en-US" sz="1600" dirty="0">
-                    <a:solidFill>
-                      <a:schemeClr val="bg1"/>
-                    </a:solidFill>
-                  </a:rPr>
-                  <a:t>次のステージへ</a:t>
-                </a:r>
-                <a:endParaRPr kumimoji="1" lang="en-US" altLang="ja-JP" sz="1600" dirty="0">
-                  <a:solidFill>
-                    <a:schemeClr val="bg1"/>
-                  </a:solidFill>
-                </a:endParaRPr>
-              </a:p>
-            </p:txBody>
-          </p:sp>
-          <p:sp>
-            <p:nvSpPr>
-              <p:cNvPr id="13" name="テキスト ボックス 12">
-                <a:extLst>
-                  <a:ext uri="{FF2B5EF4-FFF2-40B4-BE49-F238E27FC236}">
-                    <a16:creationId xmlns:a16="http://schemas.microsoft.com/office/drawing/2014/main" id="{756E996E-77DC-493E-8E03-1BE58CB45543}"/>
-                  </a:ext>
-                </a:extLst>
-              </p:cNvPr>
-              <p:cNvSpPr txBox="1"/>
-              <p:nvPr/>
-            </p:nvSpPr>
-            <p:spPr>
-              <a:xfrm>
-                <a:off x="279400" y="4180080"/>
-                <a:ext cx="1854200" cy="338554"/>
-              </a:xfrm>
-              <a:prstGeom prst="rect">
-                <a:avLst/>
-              </a:prstGeom>
-              <a:noFill/>
-            </p:spPr>
-            <p:txBody>
-              <a:bodyPr wrap="square" rtlCol="0">
-                <a:spAutoFit/>
-              </a:bodyPr>
-              <a:lstStyle/>
-              <a:p>
-                <a:r>
-                  <a:rPr kumimoji="1" lang="ja-JP" altLang="en-US" sz="1600" dirty="0">
-                    <a:solidFill>
-                      <a:schemeClr val="bg1"/>
-                    </a:solidFill>
-                  </a:rPr>
-                  <a:t>キャラ育成</a:t>
-                </a:r>
-              </a:p>
-            </p:txBody>
-          </p:sp>
+          </p:pic>
         </p:grpSp>
-        <p:pic>
-          <p:nvPicPr>
-            <p:cNvPr id="8" name="図 7">
+        <p:sp>
+          <p:nvSpPr>
+            <p:cNvPr id="28" name="正方形/長方形 27">
               <a:extLst>
                 <a:ext uri="{FF2B5EF4-FFF2-40B4-BE49-F238E27FC236}">
-                  <a16:creationId xmlns:a16="http://schemas.microsoft.com/office/drawing/2014/main" id="{CD62DD4B-4F76-484F-93BE-4B5163A649C0}"/>
-                </a:ext>
-              </a:extLst>
-            </p:cNvPr>
-            <p:cNvPicPr>
-              <a:picLocks noChangeAspect="1"/>
-            </p:cNvPicPr>
-            <p:nvPr/>
-          </p:nvPicPr>
-          <p:blipFill rotWithShape="1">
-            <a:blip r:embed="rId2">
-              <a:extLst>
-                <a:ext uri="{28A0092B-C50C-407E-A947-70E740481C1C}">
-                  <a14:useLocalDpi xmlns:a14="http://schemas.microsoft.com/office/drawing/2010/main" val="0"/>
-                </a:ext>
-              </a:extLst>
-            </a:blip>
-            <a:srcRect r="-9397" b="53738"/>
-            <a:stretch/>
-          </p:blipFill>
-          <p:spPr>
-            <a:xfrm>
-              <a:off x="2939584" y="3307138"/>
-              <a:ext cx="2345537" cy="1880928"/>
-            </a:xfrm>
-            <a:prstGeom prst="rect">
-              <a:avLst/>
-            </a:prstGeom>
-          </p:spPr>
-        </p:pic>
-        <p:sp>
-          <p:nvSpPr>
-            <p:cNvPr id="9" name="正方形/長方形 8">
-              <a:extLst>
-                <a:ext uri="{FF2B5EF4-FFF2-40B4-BE49-F238E27FC236}">
-                  <a16:creationId xmlns:a16="http://schemas.microsoft.com/office/drawing/2014/main" id="{C024AB93-BE50-4A18-910C-5F35438A02E8}"/>
+                  <a16:creationId xmlns:a16="http://schemas.microsoft.com/office/drawing/2014/main" id="{0509B813-67AF-46B2-B3FD-2D14E0E25766}"/>
                 </a:ext>
               </a:extLst>
             </p:cNvPr>
@@ -6947,16 +7277,137 @@
           </p:nvSpPr>
           <p:spPr>
             <a:xfrm>
-              <a:off x="2710982" y="5214550"/>
-              <a:ext cx="2416175" cy="790575"/>
+              <a:off x="8087517" y="5251629"/>
+              <a:ext cx="2167467" cy="338667"/>
             </a:xfrm>
             <a:prstGeom prst="rect">
               <a:avLst/>
             </a:prstGeom>
             <a:solidFill>
-              <a:schemeClr val="tx1">
-                <a:lumMod val="50000"/>
-                <a:lumOff val="50000"/>
+              <a:schemeClr val="tx2">
+                <a:lumMod val="25000"/>
+                <a:lumOff val="75000"/>
+              </a:schemeClr>
+            </a:solidFill>
+            <a:ln>
+              <a:noFill/>
+            </a:ln>
+          </p:spPr>
+          <p:style>
+            <a:lnRef idx="2">
+              <a:schemeClr val="accent1">
+                <a:shade val="50000"/>
+              </a:schemeClr>
+            </a:lnRef>
+            <a:fillRef idx="1">
+              <a:schemeClr val="accent1"/>
+            </a:fillRef>
+            <a:effectRef idx="0">
+              <a:schemeClr val="accent1"/>
+            </a:effectRef>
+            <a:fontRef idx="minor">
+              <a:schemeClr val="lt1"/>
+            </a:fontRef>
+          </p:style>
+          <p:txBody>
+            <a:bodyPr rtlCol="0" anchor="ctr"/>
+            <a:lstStyle/>
+            <a:p>
+              <a:pPr algn="ctr"/>
+              <a:endParaRPr kumimoji="1" lang="ja-JP" altLang="en-US" dirty="0"/>
+            </a:p>
+          </p:txBody>
+        </p:sp>
+        <p:sp>
+          <p:nvSpPr>
+            <p:cNvPr id="29" name="テキスト ボックス 28">
+              <a:extLst>
+                <a:ext uri="{FF2B5EF4-FFF2-40B4-BE49-F238E27FC236}">
+                  <a16:creationId xmlns:a16="http://schemas.microsoft.com/office/drawing/2014/main" id="{5EC9F5F5-B538-40AD-BDDC-4E39269C5E12}"/>
+                </a:ext>
+              </a:extLst>
+            </p:cNvPr>
+            <p:cNvSpPr txBox="1"/>
+            <p:nvPr/>
+          </p:nvSpPr>
+          <p:spPr>
+            <a:xfrm>
+              <a:off x="8056554" y="5260598"/>
+              <a:ext cx="2167468" cy="369332"/>
+            </a:xfrm>
+            <a:prstGeom prst="rect">
+              <a:avLst/>
+            </a:prstGeom>
+            <a:noFill/>
+          </p:spPr>
+          <p:txBody>
+            <a:bodyPr wrap="square" rtlCol="0">
+              <a:spAutoFit/>
+            </a:bodyPr>
+            <a:lstStyle/>
+            <a:p>
+              <a:r>
+                <a:rPr lang="en-US" altLang="ja-JP" b="1" i="0" dirty="0">
+                  <a:effectLst/>
+                  <a:latin typeface="ヒラギノ角ゴ Pro W3"/>
+                </a:rPr>
+                <a:t>9mm</a:t>
+              </a:r>
+              <a:r>
+                <a:rPr lang="ja-JP" altLang="en-US" b="1" i="0" dirty="0">
+                  <a:effectLst/>
+                  <a:latin typeface="ヒラギノ角ゴ Pro W3"/>
+                </a:rPr>
+                <a:t>機関拳銃</a:t>
+              </a:r>
+            </a:p>
+          </p:txBody>
+        </p:sp>
+      </p:grpSp>
+      <p:grpSp>
+        <p:nvGrpSpPr>
+          <p:cNvPr id="40" name="グループ化 39">
+            <a:extLst>
+              <a:ext uri="{FF2B5EF4-FFF2-40B4-BE49-F238E27FC236}">
+                <a16:creationId xmlns:a16="http://schemas.microsoft.com/office/drawing/2014/main" id="{CBA2E948-3046-4264-BAC1-01C06E54C5A0}"/>
+              </a:ext>
+            </a:extLst>
+          </p:cNvPr>
+          <p:cNvGrpSpPr/>
+          <p:nvPr/>
+        </p:nvGrpSpPr>
+        <p:grpSpPr>
+          <a:xfrm>
+            <a:off x="8108413" y="4327433"/>
+            <a:ext cx="2197098" cy="993741"/>
+            <a:chOff x="8108413" y="4327433"/>
+            <a:chExt cx="2197098" cy="993741"/>
+          </a:xfrm>
+        </p:grpSpPr>
+        <p:sp>
+          <p:nvSpPr>
+            <p:cNvPr id="33" name="正方形/長方形 32">
+              <a:extLst>
+                <a:ext uri="{FF2B5EF4-FFF2-40B4-BE49-F238E27FC236}">
+                  <a16:creationId xmlns:a16="http://schemas.microsoft.com/office/drawing/2014/main" id="{671A697A-0B2B-4E43-88CB-227A18ECAB5D}"/>
+                </a:ext>
+              </a:extLst>
+            </p:cNvPr>
+            <p:cNvSpPr/>
+            <p:nvPr/>
+          </p:nvSpPr>
+          <p:spPr>
+            <a:xfrm>
+              <a:off x="8138044" y="4327433"/>
+              <a:ext cx="2167467" cy="965099"/>
+            </a:xfrm>
+            <a:prstGeom prst="rect">
+              <a:avLst/>
+            </a:prstGeom>
+            <a:solidFill>
+              <a:schemeClr val="tx2">
+                <a:lumMod val="10000"/>
+                <a:lumOff val="90000"/>
               </a:schemeClr>
             </a:solidFill>
             <a:ln>
@@ -6988,13 +7439,284 @@
             </a:p>
           </p:txBody>
         </p:sp>
+        <p:sp>
+          <p:nvSpPr>
+            <p:cNvPr id="34" name="テキスト ボックス 33">
+              <a:extLst>
+                <a:ext uri="{FF2B5EF4-FFF2-40B4-BE49-F238E27FC236}">
+                  <a16:creationId xmlns:a16="http://schemas.microsoft.com/office/drawing/2014/main" id="{55541A7D-AD8A-4C54-8EA7-95DE4E15235C}"/>
+                </a:ext>
+              </a:extLst>
+            </p:cNvPr>
+            <p:cNvSpPr txBox="1"/>
+            <p:nvPr/>
+          </p:nvSpPr>
+          <p:spPr>
+            <a:xfrm>
+              <a:off x="8108413" y="4367067"/>
+              <a:ext cx="1989666" cy="954107"/>
+            </a:xfrm>
+            <a:prstGeom prst="rect">
+              <a:avLst/>
+            </a:prstGeom>
+            <a:noFill/>
+          </p:spPr>
+          <p:txBody>
+            <a:bodyPr wrap="square" rtlCol="0">
+              <a:spAutoFit/>
+            </a:bodyPr>
+            <a:lstStyle/>
+            <a:p>
+              <a:r>
+                <a:rPr kumimoji="1" lang="ja-JP" altLang="en-US" sz="1400" dirty="0"/>
+                <a:t>ダメージ　</a:t>
+              </a:r>
+              <a:r>
+                <a:rPr kumimoji="1" lang="en-US" altLang="ja-JP" sz="1400" dirty="0"/>
+                <a:t>150 </a:t>
+              </a:r>
+              <a:r>
+                <a:rPr kumimoji="1" lang="ja-JP" altLang="en-US" sz="1400" dirty="0"/>
+                <a:t>→ </a:t>
+              </a:r>
+              <a:r>
+                <a:rPr kumimoji="1" lang="en-US" altLang="ja-JP" sz="1400" dirty="0"/>
+                <a:t>160</a:t>
+              </a:r>
+            </a:p>
+            <a:p>
+              <a:r>
+                <a:rPr kumimoji="1" lang="ja-JP" altLang="en-US" sz="1400" dirty="0"/>
+                <a:t>改造段階　</a:t>
+              </a:r>
+              <a:r>
+                <a:rPr kumimoji="1" lang="en-US" altLang="ja-JP" sz="1400" dirty="0"/>
+                <a:t>1/10</a:t>
+              </a:r>
+            </a:p>
+            <a:p>
+              <a:endParaRPr kumimoji="1" lang="en-US" altLang="ja-JP" sz="1400" dirty="0"/>
+            </a:p>
+            <a:p>
+              <a:r>
+                <a:rPr kumimoji="1" lang="ja-JP" altLang="en-US" sz="1400" dirty="0"/>
+                <a:t>改造費用　</a:t>
+              </a:r>
+              <a:r>
+                <a:rPr kumimoji="1" lang="en-US" altLang="ja-JP" sz="1400" dirty="0"/>
+                <a:t>10000</a:t>
+              </a:r>
+            </a:p>
+          </p:txBody>
+        </p:sp>
       </p:grpSp>
-      <p:sp>
-        <p:nvSpPr>
-          <p:cNvPr id="19" name="テキスト ボックス 18">
+      <p:grpSp>
+        <p:nvGrpSpPr>
+          <p:cNvPr id="41" name="グループ化 40">
             <a:extLst>
               <a:ext uri="{FF2B5EF4-FFF2-40B4-BE49-F238E27FC236}">
-                <a16:creationId xmlns:a16="http://schemas.microsoft.com/office/drawing/2014/main" id="{F205D682-E92B-4E22-B785-F99F284ADB8D}"/>
+                <a16:creationId xmlns:a16="http://schemas.microsoft.com/office/drawing/2014/main" id="{23F4945B-6902-4D91-B1A2-6605DC629356}"/>
+              </a:ext>
+            </a:extLst>
+          </p:cNvPr>
+          <p:cNvGrpSpPr/>
+          <p:nvPr/>
+        </p:nvGrpSpPr>
+        <p:grpSpPr>
+          <a:xfrm>
+            <a:off x="8108413" y="5631199"/>
+            <a:ext cx="2197098" cy="993741"/>
+            <a:chOff x="8108413" y="4327433"/>
+            <a:chExt cx="2197098" cy="993741"/>
+          </a:xfrm>
+        </p:grpSpPr>
+        <p:sp>
+          <p:nvSpPr>
+            <p:cNvPr id="42" name="正方形/長方形 41">
+              <a:extLst>
+                <a:ext uri="{FF2B5EF4-FFF2-40B4-BE49-F238E27FC236}">
+                  <a16:creationId xmlns:a16="http://schemas.microsoft.com/office/drawing/2014/main" id="{E09B94B7-9B76-486A-BD65-A8C07F0034F5}"/>
+                </a:ext>
+              </a:extLst>
+            </p:cNvPr>
+            <p:cNvSpPr/>
+            <p:nvPr/>
+          </p:nvSpPr>
+          <p:spPr>
+            <a:xfrm>
+              <a:off x="8138044" y="4327433"/>
+              <a:ext cx="2167467" cy="965099"/>
+            </a:xfrm>
+            <a:prstGeom prst="rect">
+              <a:avLst/>
+            </a:prstGeom>
+            <a:solidFill>
+              <a:schemeClr val="tx2">
+                <a:lumMod val="10000"/>
+                <a:lumOff val="90000"/>
+              </a:schemeClr>
+            </a:solidFill>
+            <a:ln>
+              <a:noFill/>
+            </a:ln>
+          </p:spPr>
+          <p:style>
+            <a:lnRef idx="2">
+              <a:schemeClr val="accent1">
+                <a:shade val="50000"/>
+              </a:schemeClr>
+            </a:lnRef>
+            <a:fillRef idx="1">
+              <a:schemeClr val="accent1"/>
+            </a:fillRef>
+            <a:effectRef idx="0">
+              <a:schemeClr val="accent1"/>
+            </a:effectRef>
+            <a:fontRef idx="minor">
+              <a:schemeClr val="lt1"/>
+            </a:fontRef>
+          </p:style>
+          <p:txBody>
+            <a:bodyPr rtlCol="0" anchor="ctr"/>
+            <a:lstStyle/>
+            <a:p>
+              <a:pPr algn="ctr"/>
+              <a:endParaRPr kumimoji="1" lang="ja-JP" altLang="en-US"/>
+            </a:p>
+          </p:txBody>
+        </p:sp>
+        <p:sp>
+          <p:nvSpPr>
+            <p:cNvPr id="43" name="テキスト ボックス 42">
+              <a:extLst>
+                <a:ext uri="{FF2B5EF4-FFF2-40B4-BE49-F238E27FC236}">
+                  <a16:creationId xmlns:a16="http://schemas.microsoft.com/office/drawing/2014/main" id="{BCDBC6C6-5F7F-4CAA-9A00-305FED076F06}"/>
+                </a:ext>
+              </a:extLst>
+            </p:cNvPr>
+            <p:cNvSpPr txBox="1"/>
+            <p:nvPr/>
+          </p:nvSpPr>
+          <p:spPr>
+            <a:xfrm>
+              <a:off x="8108413" y="4367067"/>
+              <a:ext cx="1989666" cy="954107"/>
+            </a:xfrm>
+            <a:prstGeom prst="rect">
+              <a:avLst/>
+            </a:prstGeom>
+            <a:noFill/>
+          </p:spPr>
+          <p:txBody>
+            <a:bodyPr wrap="square" rtlCol="0">
+              <a:spAutoFit/>
+            </a:bodyPr>
+            <a:lstStyle/>
+            <a:p>
+              <a:r>
+                <a:rPr kumimoji="1" lang="ja-JP" altLang="en-US" sz="1400" dirty="0"/>
+                <a:t>ダメージ　</a:t>
+              </a:r>
+              <a:r>
+                <a:rPr kumimoji="1" lang="en-US" altLang="ja-JP" sz="1400" dirty="0"/>
+                <a:t>200 </a:t>
+              </a:r>
+              <a:r>
+                <a:rPr kumimoji="1" lang="ja-JP" altLang="en-US" sz="1400" dirty="0"/>
+                <a:t>→ </a:t>
+              </a:r>
+              <a:r>
+                <a:rPr kumimoji="1" lang="en-US" altLang="ja-JP" sz="1400" dirty="0"/>
+                <a:t>210</a:t>
+              </a:r>
+            </a:p>
+            <a:p>
+              <a:r>
+                <a:rPr kumimoji="1" lang="ja-JP" altLang="en-US" sz="1400" dirty="0"/>
+                <a:t>改造段階　</a:t>
+              </a:r>
+              <a:r>
+                <a:rPr kumimoji="1" lang="en-US" altLang="ja-JP" sz="1400" dirty="0"/>
+                <a:t>1/10</a:t>
+              </a:r>
+            </a:p>
+            <a:p>
+              <a:endParaRPr kumimoji="1" lang="en-US" altLang="ja-JP" sz="1400" dirty="0"/>
+            </a:p>
+            <a:p>
+              <a:r>
+                <a:rPr kumimoji="1" lang="ja-JP" altLang="en-US" sz="1400" dirty="0"/>
+                <a:t>改造費用　</a:t>
+              </a:r>
+              <a:r>
+                <a:rPr kumimoji="1" lang="en-US" altLang="ja-JP" sz="1400" dirty="0"/>
+                <a:t>10000</a:t>
+              </a:r>
+            </a:p>
+          </p:txBody>
+        </p:sp>
+      </p:grpSp>
+      <p:sp>
+        <p:nvSpPr>
+          <p:cNvPr id="44" name="正方形/長方形 43">
+            <a:extLst>
+              <a:ext uri="{FF2B5EF4-FFF2-40B4-BE49-F238E27FC236}">
+                <a16:creationId xmlns:a16="http://schemas.microsoft.com/office/drawing/2014/main" id="{F863DF76-2822-4ADC-8C63-CC9B816452EB}"/>
+              </a:ext>
+            </a:extLst>
+          </p:cNvPr>
+          <p:cNvSpPr/>
+          <p:nvPr/>
+        </p:nvSpPr>
+        <p:spPr>
+          <a:xfrm>
+            <a:off x="5625340" y="5697756"/>
+            <a:ext cx="2416175" cy="929249"/>
+          </a:xfrm>
+          <a:prstGeom prst="rect">
+            <a:avLst/>
+          </a:prstGeom>
+          <a:solidFill>
+            <a:schemeClr val="tx2">
+              <a:lumMod val="25000"/>
+              <a:lumOff val="75000"/>
+            </a:schemeClr>
+          </a:solidFill>
+          <a:ln>
+            <a:noFill/>
+          </a:ln>
+        </p:spPr>
+        <p:style>
+          <a:lnRef idx="2">
+            <a:schemeClr val="accent1">
+              <a:shade val="50000"/>
+            </a:schemeClr>
+          </a:lnRef>
+          <a:fillRef idx="1">
+            <a:schemeClr val="accent1"/>
+          </a:fillRef>
+          <a:effectRef idx="0">
+            <a:schemeClr val="accent1"/>
+          </a:effectRef>
+          <a:fontRef idx="minor">
+            <a:schemeClr val="lt1"/>
+          </a:fontRef>
+        </p:style>
+        <p:txBody>
+          <a:bodyPr rtlCol="0" anchor="ctr"/>
+          <a:lstStyle/>
+          <a:p>
+            <a:pPr algn="ctr"/>
+            <a:endParaRPr kumimoji="1" lang="ja-JP" altLang="en-US"/>
+          </a:p>
+        </p:txBody>
+      </p:sp>
+      <p:sp>
+        <p:nvSpPr>
+          <p:cNvPr id="45" name="テキスト ボックス 44">
+            <a:extLst>
+              <a:ext uri="{FF2B5EF4-FFF2-40B4-BE49-F238E27FC236}">
+                <a16:creationId xmlns:a16="http://schemas.microsoft.com/office/drawing/2014/main" id="{2308EB60-09C4-46D4-B8D9-E500BCF033DF}"/>
               </a:ext>
             </a:extLst>
           </p:cNvPr>
@@ -7003,8 +7725,8 @@
         </p:nvSpPr>
         <p:spPr>
           <a:xfrm>
-            <a:off x="5718158" y="636406"/>
-            <a:ext cx="3696775" cy="1200329"/>
+            <a:off x="5662375" y="5780015"/>
+            <a:ext cx="2213784" cy="584775"/>
           </a:xfrm>
           <a:prstGeom prst="rect">
             <a:avLst/>
@@ -7018,24 +7740,16 @@
           <a:lstStyle/>
           <a:p>
             <a:r>
-              <a:rPr kumimoji="1" lang="ja-JP" altLang="en-US" dirty="0"/>
-              <a:t>←このような感じのホーム画面</a:t>
-            </a:r>
-            <a:endParaRPr kumimoji="1" lang="en-US" altLang="ja-JP" dirty="0"/>
-          </a:p>
-          <a:p>
-            <a:r>
-              <a:rPr kumimoji="1" lang="ja-JP" altLang="en-US" dirty="0"/>
-              <a:t>本家にはいろいろとありますが</a:t>
-            </a:r>
-            <a:endParaRPr kumimoji="1" lang="en-US" altLang="ja-JP" dirty="0"/>
-          </a:p>
-          <a:p>
-            <a:r>
-              <a:rPr kumimoji="1" lang="ja-JP" altLang="en-US" dirty="0"/>
-              <a:t>重要なところだけを選べるようにします。</a:t>
-            </a:r>
-            <a:endParaRPr kumimoji="1" lang="en-US" altLang="ja-JP" dirty="0"/>
+              <a:rPr kumimoji="1" lang="ja-JP" altLang="en-US" sz="1600" dirty="0"/>
+              <a:t>武器の改造なら</a:t>
+            </a:r>
+            <a:endParaRPr kumimoji="1" lang="en-US" altLang="ja-JP" sz="1600" dirty="0"/>
+          </a:p>
+          <a:p>
+            <a:r>
+              <a:rPr kumimoji="1" lang="ja-JP" altLang="en-US" sz="1600" dirty="0"/>
+              <a:t>私に任せておいて！</a:t>
+            </a:r>
           </a:p>
         </p:txBody>
       </p:sp>
@@ -7069,6 +7783,131 @@
           <a:chExt cx="0" cy="0"/>
         </a:xfrm>
       </p:grpSpPr>
+      <p:sp>
+        <p:nvSpPr>
+          <p:cNvPr id="2" name="テキスト ボックス 1">
+            <a:extLst>
+              <a:ext uri="{FF2B5EF4-FFF2-40B4-BE49-F238E27FC236}">
+                <a16:creationId xmlns:a16="http://schemas.microsoft.com/office/drawing/2014/main" id="{38AD3146-5EA7-4061-83DF-6A332D97E21F}"/>
+              </a:ext>
+            </a:extLst>
+          </p:cNvPr>
+          <p:cNvSpPr txBox="1"/>
+          <p:nvPr/>
+        </p:nvSpPr>
+        <p:spPr>
+          <a:xfrm>
+            <a:off x="364067" y="186267"/>
+            <a:ext cx="8212666" cy="369332"/>
+          </a:xfrm>
+          <a:prstGeom prst="rect">
+            <a:avLst/>
+          </a:prstGeom>
+          <a:noFill/>
+        </p:spPr>
+        <p:txBody>
+          <a:bodyPr wrap="square" rtlCol="0">
+            <a:spAutoFit/>
+          </a:bodyPr>
+          <a:lstStyle/>
+          <a:p>
+            <a:r>
+              <a:rPr kumimoji="1" lang="ja-JP" altLang="en-US" dirty="0"/>
+              <a:t>マップ・戦闘画面について</a:t>
+            </a:r>
+          </a:p>
+        </p:txBody>
+      </p:sp>
+      <p:sp>
+        <p:nvSpPr>
+          <p:cNvPr id="3" name="正方形/長方形 2">
+            <a:extLst>
+              <a:ext uri="{FF2B5EF4-FFF2-40B4-BE49-F238E27FC236}">
+                <a16:creationId xmlns:a16="http://schemas.microsoft.com/office/drawing/2014/main" id="{755C6497-3A8E-4506-9EFE-6BB09F17E7B8}"/>
+              </a:ext>
+            </a:extLst>
+          </p:cNvPr>
+          <p:cNvSpPr/>
+          <p:nvPr/>
+        </p:nvSpPr>
+        <p:spPr>
+          <a:xfrm>
+            <a:off x="6400799" y="3852333"/>
+            <a:ext cx="4351867" cy="2633134"/>
+          </a:xfrm>
+          <a:prstGeom prst="rect">
+            <a:avLst/>
+          </a:prstGeom>
+          <a:solidFill>
+            <a:schemeClr val="tx2">
+              <a:lumMod val="50000"/>
+              <a:lumOff val="50000"/>
+            </a:schemeClr>
+          </a:solidFill>
+          <a:ln>
+            <a:noFill/>
+          </a:ln>
+        </p:spPr>
+        <p:style>
+          <a:lnRef idx="2">
+            <a:schemeClr val="accent1">
+              <a:shade val="50000"/>
+            </a:schemeClr>
+          </a:lnRef>
+          <a:fillRef idx="1">
+            <a:schemeClr val="accent1"/>
+          </a:fillRef>
+          <a:effectRef idx="0">
+            <a:schemeClr val="accent1"/>
+          </a:effectRef>
+          <a:fontRef idx="minor">
+            <a:schemeClr val="lt1"/>
+          </a:fontRef>
+        </p:style>
+        <p:txBody>
+          <a:bodyPr rtlCol="0" anchor="ctr"/>
+          <a:lstStyle/>
+          <a:p>
+            <a:pPr algn="ctr"/>
+            <a:endParaRPr kumimoji="1" lang="ja-JP" altLang="en-US"/>
+          </a:p>
+        </p:txBody>
+      </p:sp>
+      <p:pic>
+        <p:nvPicPr>
+          <p:cNvPr id="5" name="図 4">
+            <a:extLst>
+              <a:ext uri="{FF2B5EF4-FFF2-40B4-BE49-F238E27FC236}">
+                <a16:creationId xmlns:a16="http://schemas.microsoft.com/office/drawing/2014/main" id="{7D70864C-3E30-4902-9220-E7F1938BB47E}"/>
+              </a:ext>
+            </a:extLst>
+          </p:cNvPr>
+          <p:cNvPicPr>
+            <a:picLocks noChangeAspect="1"/>
+          </p:cNvPicPr>
+          <p:nvPr/>
+        </p:nvPicPr>
+        <p:blipFill rotWithShape="1">
+          <a:blip r:embed="rId2">
+            <a:extLst>
+              <a:ext uri="{28A0092B-C50C-407E-A947-70E740481C1C}">
+                <a14:useLocalDpi xmlns:a14="http://schemas.microsoft.com/office/drawing/2010/main" val="0"/>
+              </a:ext>
+            </a:extLst>
+          </a:blip>
+          <a:srcRect l="3043" t="864" r="-3043" b="56420"/>
+          <a:stretch/>
+        </p:blipFill>
+        <p:spPr>
+          <a:xfrm>
+            <a:off x="9387244" y="3852333"/>
+            <a:ext cx="1695624" cy="1373495"/>
+          </a:xfrm>
+          <a:prstGeom prst="rect">
+            <a:avLst/>
+          </a:prstGeom>
+        </p:spPr>
+      </p:pic>
     </p:spTree>
     <p:extLst>
       <p:ext uri="{BB962C8B-B14F-4D97-AF65-F5344CB8AC3E}">
